--- a/Daily Agendas/Day4.1_PythonWorkbook.pptx
+++ b/Daily Agendas/Day4.1_PythonWorkbook.pptx
@@ -6,7 +6,8 @@
   </p:sldMasterIdLst>
   <p:sldIdLst>
     <p:sldId id="256" r:id="rId2"/>
-    <p:sldId id="265" r:id="rId3"/>
+    <p:sldId id="266" r:id="rId3"/>
+    <p:sldId id="265" r:id="rId4"/>
   </p:sldIdLst>
   <p:sldSz cx="9144000" cy="6858000" type="screen4x3"/>
   <p:notesSz cx="6858000" cy="9144000"/>
@@ -107,7 +108,7 @@
   </p:defaultTextStyle>
   <p:extLst>
     <p:ext uri="{EFAFB233-063F-42B5-8137-9DF3F51BA10A}">
-      <p15:sldGuideLst xmlns:p15="http://schemas.microsoft.com/office/powerpoint/2012/main" xmlns="">
+      <p15:sldGuideLst xmlns:p15="http://schemas.microsoft.com/office/powerpoint/2012/main">
         <p15:guide id="1" orient="horz" pos="2160">
           <p15:clr>
             <a:srgbClr val="A4A3A4"/>
@@ -304,7 +305,7 @@
             <a:fld id="{1D8BD707-D9CF-40AE-B4C6-C98DA3205C09}" type="datetimeFigureOut">
               <a:rPr lang="en-US" smtClean="0"/>
               <a:pPr/>
-              <a:t>9/23/2018</a:t>
+              <a:t>9/24/2018</a:t>
             </a:fld>
             <a:endParaRPr lang="en-US"/>
           </a:p>
@@ -469,7 +470,7 @@
             <a:fld id="{1D8BD707-D9CF-40AE-B4C6-C98DA3205C09}" type="datetimeFigureOut">
               <a:rPr lang="en-US" smtClean="0"/>
               <a:pPr/>
-              <a:t>9/23/2018</a:t>
+              <a:t>9/24/2018</a:t>
             </a:fld>
             <a:endParaRPr lang="en-US"/>
           </a:p>
@@ -644,7 +645,7 @@
             <a:fld id="{1D8BD707-D9CF-40AE-B4C6-C98DA3205C09}" type="datetimeFigureOut">
               <a:rPr lang="en-US" smtClean="0"/>
               <a:pPr/>
-              <a:t>9/23/2018</a:t>
+              <a:t>9/24/2018</a:t>
             </a:fld>
             <a:endParaRPr lang="en-US"/>
           </a:p>
@@ -809,7 +810,7 @@
             <a:fld id="{1D8BD707-D9CF-40AE-B4C6-C98DA3205C09}" type="datetimeFigureOut">
               <a:rPr lang="en-US" smtClean="0"/>
               <a:pPr/>
-              <a:t>9/23/2018</a:t>
+              <a:t>9/24/2018</a:t>
             </a:fld>
             <a:endParaRPr lang="en-US"/>
           </a:p>
@@ -1051,7 +1052,7 @@
             <a:fld id="{1D8BD707-D9CF-40AE-B4C6-C98DA3205C09}" type="datetimeFigureOut">
               <a:rPr lang="en-US" smtClean="0"/>
               <a:pPr/>
-              <a:t>9/23/2018</a:t>
+              <a:t>9/24/2018</a:t>
             </a:fld>
             <a:endParaRPr lang="en-US"/>
           </a:p>
@@ -1333,7 +1334,7 @@
             <a:fld id="{1D8BD707-D9CF-40AE-B4C6-C98DA3205C09}" type="datetimeFigureOut">
               <a:rPr lang="en-US" smtClean="0"/>
               <a:pPr/>
-              <a:t>9/23/2018</a:t>
+              <a:t>9/24/2018</a:t>
             </a:fld>
             <a:endParaRPr lang="en-US"/>
           </a:p>
@@ -1749,7 +1750,7 @@
             <a:fld id="{1D8BD707-D9CF-40AE-B4C6-C98DA3205C09}" type="datetimeFigureOut">
               <a:rPr lang="en-US" smtClean="0"/>
               <a:pPr/>
-              <a:t>9/23/2018</a:t>
+              <a:t>9/24/2018</a:t>
             </a:fld>
             <a:endParaRPr lang="en-US"/>
           </a:p>
@@ -1863,7 +1864,7 @@
             <a:fld id="{1D8BD707-D9CF-40AE-B4C6-C98DA3205C09}" type="datetimeFigureOut">
               <a:rPr lang="en-US" smtClean="0"/>
               <a:pPr/>
-              <a:t>9/23/2018</a:t>
+              <a:t>9/24/2018</a:t>
             </a:fld>
             <a:endParaRPr lang="en-US"/>
           </a:p>
@@ -1955,7 +1956,7 @@
             <a:fld id="{1D8BD707-D9CF-40AE-B4C6-C98DA3205C09}" type="datetimeFigureOut">
               <a:rPr lang="en-US" smtClean="0"/>
               <a:pPr/>
-              <a:t>9/23/2018</a:t>
+              <a:t>9/24/2018</a:t>
             </a:fld>
             <a:endParaRPr lang="en-US"/>
           </a:p>
@@ -2227,7 +2228,7 @@
             <a:fld id="{1D8BD707-D9CF-40AE-B4C6-C98DA3205C09}" type="datetimeFigureOut">
               <a:rPr lang="en-US" smtClean="0"/>
               <a:pPr/>
-              <a:t>9/23/2018</a:t>
+              <a:t>9/24/2018</a:t>
             </a:fld>
             <a:endParaRPr lang="en-US"/>
           </a:p>
@@ -2476,7 +2477,7 @@
             <a:fld id="{1D8BD707-D9CF-40AE-B4C6-C98DA3205C09}" type="datetimeFigureOut">
               <a:rPr lang="en-US" smtClean="0"/>
               <a:pPr/>
-              <a:t>9/23/2018</a:t>
+              <a:t>9/24/2018</a:t>
             </a:fld>
             <a:endParaRPr lang="en-US"/>
           </a:p>
@@ -2684,7 +2685,7 @@
             <a:fld id="{1D8BD707-D9CF-40AE-B4C6-C98DA3205C09}" type="datetimeFigureOut">
               <a:rPr lang="en-US" smtClean="0"/>
               <a:pPr/>
-              <a:t>9/23/2018</a:t>
+              <a:t>9/24/2018</a:t>
             </a:fld>
             <a:endParaRPr lang="en-US"/>
           </a:p>
@@ -3074,11 +3075,7 @@
           <a:p>
             <a:r>
               <a:rPr lang="en-US" dirty="0" smtClean="0"/>
-              <a:t>Python Workbook </a:t>
-            </a:r>
-            <a:r>
-              <a:rPr lang="en-US" dirty="0" smtClean="0"/>
-              <a:t>– </a:t>
+              <a:t>Python Workbook – </a:t>
             </a:r>
             <a:r>
               <a:rPr lang="en-US" dirty="0"/>
@@ -3087,10 +3084,6 @@
             <a:r>
               <a:rPr lang="en-US" dirty="0" smtClean="0"/>
               <a:t>24</a:t>
-            </a:r>
-            <a:r>
-              <a:rPr lang="en-US" dirty="0" smtClean="0"/>
-              <a:t/>
             </a:r>
             <a:br>
               <a:rPr lang="en-US" dirty="0" smtClean="0"/>
@@ -3155,21 +3148,12 @@
               <a:rPr lang="en-CA" dirty="0" smtClean="0"/>
               <a:t>(Complete On Your Own Time)</a:t>
             </a:r>
-            <a:endParaRPr lang="en-CA" dirty="0" smtClean="0"/>
           </a:p>
           <a:p>
             <a:pPr lvl="2"/>
             <a:r>
               <a:rPr lang="en-CA" dirty="0" smtClean="0"/>
-              <a:t>Case Study C.1 </a:t>
-            </a:r>
-            <a:r>
-              <a:rPr lang="en-CA" dirty="0" smtClean="0"/>
-              <a:t>/ </a:t>
-            </a:r>
-            <a:r>
-              <a:rPr lang="en-CA" dirty="0" smtClean="0"/>
-              <a:t>Module </a:t>
+              <a:t>Case Study C.1 / Module </a:t>
             </a:r>
             <a:r>
               <a:rPr lang="en-CA" dirty="0"/>
@@ -3268,6 +3252,120 @@
       </p:grpSpPr>
       <p:sp>
         <p:nvSpPr>
+          <p:cNvPr id="2" name="Title 1"/>
+          <p:cNvSpPr>
+            <a:spLocks noGrp="1"/>
+          </p:cNvSpPr>
+          <p:nvPr>
+            <p:ph type="title"/>
+          </p:nvPr>
+        </p:nvSpPr>
+        <p:spPr/>
+        <p:txBody>
+          <a:bodyPr/>
+          <a:lstStyle/>
+          <a:p>
+            <a:r>
+              <a:rPr lang="en-CA" dirty="0" smtClean="0"/>
+              <a:t>Python Beginners Workbook</a:t>
+            </a:r>
+            <a:endParaRPr lang="en-US" dirty="0"/>
+          </a:p>
+        </p:txBody>
+      </p:sp>
+      <p:sp>
+        <p:nvSpPr>
+          <p:cNvPr id="3" name="Content Placeholder 2"/>
+          <p:cNvSpPr>
+            <a:spLocks noGrp="1"/>
+          </p:cNvSpPr>
+          <p:nvPr>
+            <p:ph idx="1"/>
+          </p:nvPr>
+        </p:nvSpPr>
+        <p:spPr/>
+        <p:txBody>
+          <a:bodyPr/>
+          <a:lstStyle/>
+          <a:p>
+            <a:pPr marL="514350" indent="-514350">
+              <a:buFont typeface="+mj-lt"/>
+              <a:buAutoNum type="arabicPeriod"/>
+            </a:pPr>
+            <a:r>
+              <a:rPr lang="en-CA" dirty="0" smtClean="0"/>
+              <a:t>User Input and Variable Storage</a:t>
+            </a:r>
+          </a:p>
+          <a:p>
+            <a:pPr marL="514350" indent="-514350">
+              <a:buFont typeface="+mj-lt"/>
+              <a:buAutoNum type="arabicPeriod"/>
+            </a:pPr>
+            <a:endParaRPr lang="en-CA" dirty="0"/>
+          </a:p>
+          <a:p>
+            <a:pPr marL="514350" indent="-514350">
+              <a:buFont typeface="+mj-lt"/>
+              <a:buAutoNum type="arabicPeriod"/>
+            </a:pPr>
+            <a:r>
+              <a:rPr lang="en-CA" dirty="0" smtClean="0"/>
+              <a:t>Debugging Problems</a:t>
+            </a:r>
+          </a:p>
+          <a:p>
+            <a:pPr marL="514350" indent="-514350">
+              <a:buFont typeface="+mj-lt"/>
+              <a:buAutoNum type="arabicPeriod"/>
+            </a:pPr>
+            <a:endParaRPr lang="en-CA" dirty="0"/>
+          </a:p>
+          <a:p>
+            <a:pPr marL="514350" indent="-514350">
+              <a:buFont typeface="+mj-lt"/>
+              <a:buAutoNum type="arabicPeriod"/>
+            </a:pPr>
+            <a:r>
+              <a:rPr lang="en-CA" dirty="0" smtClean="0"/>
+              <a:t>IF … ELSE …  Statements</a:t>
+            </a:r>
+            <a:endParaRPr lang="en-US" dirty="0"/>
+          </a:p>
+        </p:txBody>
+      </p:sp>
+    </p:spTree>
+    <p:extLst>
+      <p:ext uri="{BB962C8B-B14F-4D97-AF65-F5344CB8AC3E}">
+        <p14:creationId xmlns:p14="http://schemas.microsoft.com/office/powerpoint/2010/main" val="1386512099"/>
+      </p:ext>
+    </p:extLst>
+  </p:cSld>
+  <p:clrMapOvr>
+    <a:masterClrMapping/>
+  </p:clrMapOvr>
+</p:sld>
+</file>
+
+<file path=ppt/slides/slide3.xml><?xml version="1.0" encoding="utf-8"?>
+<p:sld xmlns:a="http://schemas.openxmlformats.org/drawingml/2006/main" xmlns:r="http://schemas.openxmlformats.org/officeDocument/2006/relationships" xmlns:p="http://schemas.openxmlformats.org/presentationml/2006/main">
+  <p:cSld>
+    <p:spTree>
+      <p:nvGrpSpPr>
+        <p:cNvPr id="1" name=""/>
+        <p:cNvGrpSpPr/>
+        <p:nvPr/>
+      </p:nvGrpSpPr>
+      <p:grpSpPr>
+        <a:xfrm>
+          <a:off x="0" y="0"/>
+          <a:ext cx="0" cy="0"/>
+          <a:chOff x="0" y="0"/>
+          <a:chExt cx="0" cy="0"/>
+        </a:xfrm>
+      </p:grpSpPr>
+      <p:sp>
+        <p:nvSpPr>
           <p:cNvPr id="4" name="Title 3"/>
           <p:cNvSpPr>
             <a:spLocks noGrp="1"/>
@@ -3285,11 +3383,7 @@
           <a:p>
             <a:r>
               <a:rPr lang="en-US" dirty="0" smtClean="0"/>
-              <a:t>Module </a:t>
-            </a:r>
-            <a:r>
-              <a:rPr lang="en-US" dirty="0" smtClean="0"/>
-              <a:t>B.3 </a:t>
+              <a:t>Module B.3 </a:t>
             </a:r>
             <a:r>
               <a:rPr lang="en-US" dirty="0"/>
@@ -3298,10 +3392,6 @@
             <a:r>
               <a:rPr lang="en-US" dirty="0" smtClean="0"/>
               <a:t>24</a:t>
-            </a:r>
-            <a:r>
-              <a:rPr lang="en-US" dirty="0" smtClean="0"/>
-              <a:t/>
             </a:r>
             <a:br>
               <a:rPr lang="en-US" dirty="0" smtClean="0"/>
@@ -3358,26 +3448,14 @@
             <a:pPr lvl="1"/>
             <a:r>
               <a:rPr lang="en-CA" dirty="0" smtClean="0"/>
-              <a:t>Mod </a:t>
-            </a:r>
+              <a:t>Mod B.3 SWT Math Project</a:t>
+            </a:r>
+          </a:p>
+          <a:p>
+            <a:pPr lvl="2"/>
             <a:r>
               <a:rPr lang="en-CA" dirty="0" smtClean="0"/>
-              <a:t>B.3 SWT Math Project</a:t>
-            </a:r>
-          </a:p>
-          <a:p>
-            <a:pPr lvl="2"/>
-            <a:r>
-              <a:rPr lang="en-CA" dirty="0" smtClean="0"/>
-              <a:t>Level </a:t>
-            </a:r>
-            <a:r>
-              <a:rPr lang="en-CA" dirty="0" smtClean="0"/>
-              <a:t>1 </a:t>
-            </a:r>
-            <a:r>
-              <a:rPr lang="en-CA" dirty="0" smtClean="0"/>
-              <a:t>Design – Show Me Your Design</a:t>
+              <a:t>Level 1 Design – Show Me Your Design</a:t>
             </a:r>
             <a:endParaRPr lang="en-CA" dirty="0"/>
           </a:p>
@@ -3406,7 +3484,7 @@
     </p:spTree>
     <p:extLst>
       <p:ext uri="{BB962C8B-B14F-4D97-AF65-F5344CB8AC3E}">
-        <p14:creationId xmlns:p14="http://schemas.microsoft.com/office/powerpoint/2010/main" xmlns="" val="732691285"/>
+        <p14:creationId xmlns:p14="http://schemas.microsoft.com/office/powerpoint/2010/main" val="732691285"/>
       </p:ext>
     </p:extLst>
   </p:cSld>
